--- a/2017otdsummit/img/tokens_images.pptx
+++ b/2017otdsummit/img/tokens_images.pptx
@@ -3153,6 +3153,9 @@
             <a:avLst/>
           </a:prstGeom>
           <a:noFill/>
+          <a:ln>
+            <a:noFill/>
+          </a:ln>
         </p:spPr>
         <p:txBody>
           <a:bodyPr wrap="square" rtlCol="0">
@@ -3210,9 +3213,7 @@
           </a:prstGeom>
           <a:noFill/>
           <a:ln>
-            <a:solidFill>
-              <a:schemeClr val="tx1"/>
-            </a:solidFill>
+            <a:noFill/>
           </a:ln>
           <a:effectLst/>
         </p:spPr>
@@ -3254,6 +3255,9 @@
             <a:avLst/>
           </a:prstGeom>
           <a:noFill/>
+          <a:ln>
+            <a:noFill/>
+          </a:ln>
         </p:spPr>
         <p:txBody>
           <a:bodyPr wrap="square" rtlCol="0">
@@ -3366,9 +3370,7 @@
           </a:prstGeom>
           <a:noFill/>
           <a:ln>
-            <a:solidFill>
-              <a:schemeClr val="tx1"/>
-            </a:solidFill>
+            <a:noFill/>
           </a:ln>
           <a:effectLst/>
         </p:spPr>
@@ -3410,6 +3412,9 @@
             <a:avLst/>
           </a:prstGeom>
           <a:noFill/>
+          <a:ln>
+            <a:noFill/>
+          </a:ln>
         </p:spPr>
         <p:txBody>
           <a:bodyPr wrap="square" rtlCol="0">
@@ -3467,9 +3472,7 @@
           </a:prstGeom>
           <a:noFill/>
           <a:ln>
-            <a:solidFill>
-              <a:schemeClr val="tx1"/>
-            </a:solidFill>
+            <a:noFill/>
           </a:ln>
           <a:effectLst/>
         </p:spPr>
@@ -3511,6 +3514,9 @@
             <a:avLst/>
           </a:prstGeom>
           <a:noFill/>
+          <a:ln>
+            <a:noFill/>
+          </a:ln>
         </p:spPr>
         <p:txBody>
           <a:bodyPr wrap="square" rtlCol="0">
@@ -3605,7 +3611,7 @@
           </a:p>
           <a:p>
             <a:r>
-              <a:rPr lang="zh-TW" altLang="en-US" sz="2600" smtClean="0">
+              <a:rPr lang="zh-TW" altLang="en-US" sz="2600" dirty="0" smtClean="0">
                 <a:solidFill>
                   <a:srgbClr val="336633"/>
                 </a:solidFill>
@@ -3706,6 +3712,9 @@
             <a:avLst/>
           </a:prstGeom>
           <a:noFill/>
+          <a:ln>
+            <a:noFill/>
+          </a:ln>
         </p:spPr>
         <p:txBody>
           <a:bodyPr wrap="square" rtlCol="0">
@@ -3815,6 +3824,9 @@
             <a:avLst/>
           </a:prstGeom>
           <a:noFill/>
+          <a:ln>
+            <a:noFill/>
+          </a:ln>
         </p:spPr>
         <p:txBody>
           <a:bodyPr wrap="square" rtlCol="0">
@@ -3951,6 +3963,9 @@
             <a:avLst/>
           </a:prstGeom>
           <a:noFill/>
+          <a:ln>
+            <a:noFill/>
+          </a:ln>
         </p:spPr>
         <p:txBody>
           <a:bodyPr wrap="square" rtlCol="0">
